--- a/cits1003-lecture_slides/CITS1003-C ExamExampleQ.pptx
+++ b/cits1003-lecture_slides/CITS1003-C ExamExampleQ.pptx
@@ -394,6 +394,30 @@
             <pc:docMk/>
             <pc:sldMk cId="1112541085" sldId="260"/>
             <ac:spMk id="3" creationId="{F7DD7DCB-C7E2-1B4F-BD83-3B7AF005DD76}"/>
+          </ac:spMkLst>
+        </pc:spChg>
+      </pc:sldChg>
+    </pc:docChg>
+  </pc:docChgLst>
+  <pc:docChgLst>
+    <pc:chgData name="Robert McKnight" userId="d5c7fb24-67df-49c0-a0e8-7fe946ae099c" providerId="ADAL" clId="{AFFB8783-50B6-4DB2-9A19-7B820D5D3A49}"/>
+    <pc:docChg chg="modSld">
+      <pc:chgData name="Robert McKnight" userId="d5c7fb24-67df-49c0-a0e8-7fe946ae099c" providerId="ADAL" clId="{AFFB8783-50B6-4DB2-9A19-7B820D5D3A49}" dt="2025-05-12T05:16:39.216" v="1" actId="20577"/>
+      <pc:docMkLst>
+        <pc:docMk/>
+      </pc:docMkLst>
+      <pc:sldChg chg="modSp mod">
+        <pc:chgData name="Robert McKnight" userId="d5c7fb24-67df-49c0-a0e8-7fe946ae099c" providerId="ADAL" clId="{AFFB8783-50B6-4DB2-9A19-7B820D5D3A49}" dt="2025-05-12T05:16:39.216" v="1" actId="20577"/>
+        <pc:sldMkLst>
+          <pc:docMk/>
+          <pc:sldMk cId="3628072061" sldId="288"/>
+        </pc:sldMkLst>
+        <pc:spChg chg="mod">
+          <ac:chgData name="Robert McKnight" userId="d5c7fb24-67df-49c0-a0e8-7fe946ae099c" providerId="ADAL" clId="{AFFB8783-50B6-4DB2-9A19-7B820D5D3A49}" dt="2025-05-12T05:16:39.216" v="1" actId="20577"/>
+          <ac:spMkLst>
+            <pc:docMk/>
+            <pc:sldMk cId="3628072061" sldId="288"/>
+            <ac:spMk id="3" creationId="{13DB3674-2D4B-8645-8753-8E30E629B377}"/>
           </ac:spMkLst>
         </pc:spChg>
       </pc:sldChg>
@@ -3369,7 +3393,7 @@
           <a:p>
             <a:fld id="{6D6D7260-B7E4-B548-BD1F-84ED14536037}" type="datetimeFigureOut">
               <a:rPr lang="en-AU" smtClean="0"/>
-              <a:t>12/09/2024</a:t>
+              <a:t>8/05/2025</a:t>
             </a:fld>
             <a:endParaRPr lang="en-AU"/>
           </a:p>
@@ -3822,7 +3846,7 @@
           <a:p>
             <a:fld id="{88D38747-4367-4BD2-8D51-C97E202738E2}" type="datetime1">
               <a:rPr lang="en-US" smtClean="0"/>
-              <a:t>9/12/2024</a:t>
+              <a:t>5/8/2025</a:t>
             </a:fld>
             <a:endParaRPr lang="en-US" dirty="0"/>
           </a:p>
@@ -4127,7 +4151,7 @@
           <a:p>
             <a:fld id="{11F1B079-7EF0-44EE-B798-BCC497C9F3B2}" type="datetime1">
               <a:rPr lang="en-US" smtClean="0"/>
-              <a:t>9/12/2024</a:t>
+              <a:t>5/8/2025</a:t>
             </a:fld>
             <a:endParaRPr lang="en-US" dirty="0"/>
           </a:p>
@@ -4321,7 +4345,7 @@
           <a:p>
             <a:fld id="{28FF70A8-1D13-4657-95F0-A9EA54967B8D}" type="datetime1">
               <a:rPr lang="en-US" smtClean="0"/>
-              <a:t>9/12/2024</a:t>
+              <a:t>5/8/2025</a:t>
             </a:fld>
             <a:endParaRPr lang="en-US" dirty="0"/>
           </a:p>
@@ -4584,7 +4608,7 @@
           <a:p>
             <a:fld id="{21EB90AC-71BD-4C7F-8ACA-7B3F18292E63}" type="datetime1">
               <a:rPr lang="en-US" smtClean="0"/>
-              <a:t>9/12/2024</a:t>
+              <a:t>5/8/2025</a:t>
             </a:fld>
             <a:endParaRPr lang="en-US" dirty="0"/>
           </a:p>
@@ -5020,7 +5044,7 @@
           <a:p>
             <a:fld id="{4E6EFC2C-8905-46F0-B443-CE905B76BA01}" type="datetime1">
               <a:rPr lang="en-US" smtClean="0"/>
-              <a:t>9/12/2024</a:t>
+              <a:t>5/8/2025</a:t>
             </a:fld>
             <a:endParaRPr lang="en-US" dirty="0"/>
           </a:p>
@@ -5557,7 +5581,7 @@
           <a:p>
             <a:fld id="{D9079DC3-C9B5-499E-9140-0DC28B7074E2}" type="datetime1">
               <a:rPr lang="en-US" smtClean="0"/>
-              <a:t>9/12/2024</a:t>
+              <a:t>5/8/2025</a:t>
             </a:fld>
             <a:endParaRPr lang="en-US" dirty="0"/>
           </a:p>
@@ -6439,7 +6463,7 @@
           <a:p>
             <a:fld id="{30BB33EA-E472-4D22-9C03-A9C14AA21CED}" type="datetime1">
               <a:rPr lang="en-US" smtClean="0"/>
-              <a:t>9/12/2024</a:t>
+              <a:t>5/8/2025</a:t>
             </a:fld>
             <a:endParaRPr lang="en-US" dirty="0"/>
           </a:p>
@@ -6609,7 +6633,7 @@
           <a:p>
             <a:fld id="{217E833E-1B6D-415F-AD29-75AE8C43BD0D}" type="datetime1">
               <a:rPr lang="en-US" smtClean="0"/>
-              <a:t>9/12/2024</a:t>
+              <a:t>5/8/2025</a:t>
             </a:fld>
             <a:endParaRPr lang="en-US" dirty="0"/>
           </a:p>
@@ -6793,7 +6817,7 @@
           <a:p>
             <a:fld id="{8452596F-08A7-4B70-989A-F2B1CF31E66B}" type="datetime1">
               <a:rPr lang="en-US" smtClean="0"/>
-              <a:t>9/12/2024</a:t>
+              <a:t>5/8/2025</a:t>
             </a:fld>
             <a:endParaRPr lang="en-US" dirty="0"/>
           </a:p>
@@ -6963,7 +6987,7 @@
           <a:p>
             <a:fld id="{73C55A3C-5767-4844-A0A3-83778C2E5409}" type="datetime1">
               <a:rPr lang="en-US" smtClean="0"/>
-              <a:t>9/12/2024</a:t>
+              <a:t>5/8/2025</a:t>
             </a:fld>
             <a:endParaRPr lang="en-US" dirty="0"/>
           </a:p>
@@ -7207,7 +7231,7 @@
           <a:p>
             <a:fld id="{CAE507A8-A5CF-4D38-AB86-7EDDA87A85D4}" type="datetime1">
               <a:rPr lang="en-US" smtClean="0"/>
-              <a:t>9/12/2024</a:t>
+              <a:t>5/8/2025</a:t>
             </a:fld>
             <a:endParaRPr lang="en-US" dirty="0"/>
           </a:p>
@@ -7449,7 +7473,7 @@
           <a:p>
             <a:fld id="{BDFCD27C-8599-43EF-BA1D-14DDC1946E06}" type="datetime1">
               <a:rPr lang="en-US" smtClean="0"/>
-              <a:t>9/12/2024</a:t>
+              <a:t>5/8/2025</a:t>
             </a:fld>
             <a:endParaRPr lang="en-US" dirty="0"/>
           </a:p>
@@ -7930,7 +7954,7 @@
           <a:p>
             <a:fld id="{49343D99-809A-49C0-96E5-4250D0B498EE}" type="datetime1">
               <a:rPr lang="en-US" smtClean="0"/>
-              <a:t>9/12/2024</a:t>
+              <a:t>5/8/2025</a:t>
             </a:fld>
             <a:endParaRPr lang="en-US" dirty="0"/>
           </a:p>
@@ -8048,7 +8072,7 @@
           <a:p>
             <a:fld id="{A143DE9B-B678-4EFB-BB7D-A4370204A0B0}" type="datetime1">
               <a:rPr lang="en-US" smtClean="0"/>
-              <a:t>9/12/2024</a:t>
+              <a:t>5/8/2025</a:t>
             </a:fld>
             <a:endParaRPr lang="en-US" dirty="0"/>
           </a:p>
@@ -8143,7 +8167,7 @@
           <a:p>
             <a:fld id="{E68812DA-F765-4142-A6A3-A8ED7235E082}" type="datetime1">
               <a:rPr lang="en-US" smtClean="0"/>
-              <a:t>9/12/2024</a:t>
+              <a:t>5/8/2025</a:t>
             </a:fld>
             <a:endParaRPr lang="en-US" dirty="0"/>
           </a:p>
@@ -8398,7 +8422,7 @@
           <a:p>
             <a:fld id="{3E0277FD-7DE6-41D4-930D-AC99F5AFE54E}" type="datetime1">
               <a:rPr lang="en-US" smtClean="0"/>
-              <a:t>9/12/2024</a:t>
+              <a:t>5/8/2025</a:t>
             </a:fld>
             <a:endParaRPr lang="en-US" dirty="0"/>
           </a:p>
@@ -8705,7 +8729,7 @@
           <a:p>
             <a:fld id="{9EA15526-7079-4B7B-987C-1B5FAE11A0FF}" type="datetime1">
               <a:rPr lang="en-US" smtClean="0"/>
-              <a:t>9/12/2024</a:t>
+              <a:t>5/8/2025</a:t>
             </a:fld>
             <a:endParaRPr lang="en-US" dirty="0"/>
           </a:p>
@@ -8940,7 +8964,7 @@
           <a:p>
             <a:fld id="{073ED0CC-082F-4160-86E5-0D6041F12778}" type="datetime1">
               <a:rPr lang="en-US" smtClean="0"/>
-              <a:t>9/12/2024</a:t>
+              <a:t>5/8/2025</a:t>
             </a:fld>
             <a:endParaRPr lang="en-US" dirty="0"/>
           </a:p>
@@ -9851,7 +9875,7 @@
           </a:effectLst>
           <a:extLst>
             <a:ext uri="{91240B29-F687-4f45-9708-019B960494DF}">
-              <a14:hiddenLine xmlns:a16="http://schemas.microsoft.com/office/drawing/2014/main" xmlns:p14="http://schemas.microsoft.com/office/powerpoint/2010/main" xmlns:a14="http://schemas.microsoft.com/office/drawing/2010/main" xmlns="" w="9525">
+              <a14:hiddenLine xmlns="" xmlns:a14="http://schemas.microsoft.com/office/drawing/2010/main" xmlns:p14="http://schemas.microsoft.com/office/powerpoint/2010/main" xmlns:a16="http://schemas.microsoft.com/office/drawing/2014/main" w="9525">
                 <a:solidFill>
                   <a:srgbClr val="000000"/>
                 </a:solidFill>
@@ -10225,7 +10249,23 @@
                 <a:ea typeface="Calibri" panose="020F0502020204030204" pitchFamily="34" charset="0"/>
                 <a:cs typeface="Times New Roman" panose="02020603050405020304" pitchFamily="18" charset="0"/>
               </a:rPr>
-              <a:t>A web application for hosting user created restaurant reviews is being audited for potential security vulnerabilities. The Webapp uses mostly custom code with some standard frameworks and provides user accounts with password login for reviewers. You have been tasked to perform a penetration test and hove been given no access to the site other than what is available to the public.</a:t>
+              <a:t>A web application for hosting user created restaurant reviews is being audited for potential security vulnerabilities. The Webapp uses mostly custom code with some standard frameworks and provides user accounts with password login for reviewers. You have been tasked to perform a penetration test </a:t>
+            </a:r>
+            <a:r>
+              <a:rPr lang="en-AU" sz="2400">
+                <a:effectLst/>
+                <a:ea typeface="Calibri" panose="020F0502020204030204" pitchFamily="34" charset="0"/>
+                <a:cs typeface="Times New Roman" panose="02020603050405020304" pitchFamily="18" charset="0"/>
+              </a:rPr>
+              <a:t>and have </a:t>
+            </a:r>
+            <a:r>
+              <a:rPr lang="en-AU" sz="2400" dirty="0">
+                <a:effectLst/>
+                <a:ea typeface="Calibri" panose="020F0502020204030204" pitchFamily="34" charset="0"/>
+                <a:cs typeface="Times New Roman" panose="02020603050405020304" pitchFamily="18" charset="0"/>
+              </a:rPr>
+              <a:t>been given no access to the site other than what is available to the public.</a:t>
             </a:r>
           </a:p>
         </p:txBody>
